--- a/lectures materials/ds/1.feature selection.pptx
+++ b/lectures materials/ds/1.feature selection.pptx
@@ -256,7 +256,7 @@
   </p:defaultTextStyle>
   <p:extLst>
     <p:ext uri="{EFAFB233-063F-42B5-8137-9DF3F51BA10A}">
-      <p15:sldGuideLst xmlns="" xmlns:mc="http://schemas.openxmlformats.org/markup-compatibility/2006" xmlns:mv="urn:schemas-microsoft-com:mac:vml" xmlns:c="http://schemas.openxmlformats.org/drawingml/2006/chart" xmlns:dgm="http://schemas.openxmlformats.org/drawingml/2006/diagram" xmlns:o="urn:schemas-microsoft-com:office:office" xmlns:v="urn:schemas-microsoft-com:vml" xmlns:pvml="urn:schemas-microsoft-com:office:powerpoint" xmlns:com="http://schemas.openxmlformats.org/drawingml/2006/compatibility" xmlns:p14="http://schemas.microsoft.com/office/powerpoint/2010/main" xmlns:p15="http://schemas.microsoft.com/office/powerpoint/2012/main" xmlns:ahyp="http://schemas.microsoft.com/office/drawing/2018/hyperlinkcolor">
+      <p15:sldGuideLst xmlns:ahyp="http://schemas.microsoft.com/office/drawing/2018/hyperlinkcolor" xmlns:p15="http://schemas.microsoft.com/office/powerpoint/2012/main" xmlns:p14="http://schemas.microsoft.com/office/powerpoint/2010/main" xmlns:com="http://schemas.openxmlformats.org/drawingml/2006/compatibility" xmlns:pvml="urn:schemas-microsoft-com:office:powerpoint" xmlns:v="urn:schemas-microsoft-com:vml" xmlns:o="urn:schemas-microsoft-com:office:office" xmlns:dgm="http://schemas.openxmlformats.org/drawingml/2006/diagram" xmlns:c="http://schemas.openxmlformats.org/drawingml/2006/chart" xmlns:mv="urn:schemas-microsoft-com:mac:vml" xmlns:mc="http://schemas.openxmlformats.org/markup-compatibility/2006" xmlns="">
         <p15:guide id="1" orient="horz" pos="1620">
           <p15:clr>
             <a:srgbClr val="A4A3A4"/>
@@ -1212,344 +1212,7 @@
 </p:sldLayout>
 </file>
 
-<file path=ppt/slideLayouts/slideLayout10.xml><?xml version="1.0" encoding="utf-8"?>
-<p:sldLayout xmlns:a="http://schemas.openxmlformats.org/drawingml/2006/main" xmlns:r="http://schemas.openxmlformats.org/officeDocument/2006/relationships" xmlns:p="http://schemas.openxmlformats.org/presentationml/2006/main" matchingName="Blank" type="blank">
-  <p:cSld name="BLANK">
-    <p:spTree>
-      <p:nvGrpSpPr>
-        <p:cNvPr id="1" name="Shape 48"/>
-        <p:cNvGrpSpPr/>
-        <p:nvPr/>
-      </p:nvGrpSpPr>
-      <p:grpSpPr>
-        <a:xfrm>
-          <a:off x="0" y="0"/>
-          <a:ext cx="0" cy="0"/>
-          <a:chOff x="0" y="0"/>
-          <a:chExt cx="0" cy="0"/>
-        </a:xfrm>
-      </p:grpSpPr>
-      <p:sp>
-        <p:nvSpPr>
-          <p:cNvPr id="49" name="Google Shape;49;p12"/>
-          <p:cNvSpPr txBox="1">
-            <a:spLocks noGrp="1"/>
-          </p:cNvSpPr>
-          <p:nvPr>
-            <p:ph type="sldNum" idx="12"/>
-          </p:nvPr>
-        </p:nvSpPr>
-        <p:spPr>
-          <a:xfrm>
-            <a:off x="8472458" y="4663217"/>
-            <a:ext cx="548700" cy="393600"/>
-          </a:xfrm>
-          <a:prstGeom prst="rect">
-            <a:avLst/>
-          </a:prstGeom>
-        </p:spPr>
-        <p:txBody>
-          <a:bodyPr spcFirstLastPara="1" wrap="square" lIns="91425" tIns="91425" rIns="91425" bIns="91425" anchor="ctr" anchorCtr="0">
-            <a:normAutofit/>
-          </a:bodyPr>
-          <a:lstStyle>
-            <a:lvl1pPr lvl="0">
-              <a:buNone/>
-              <a:defRPr/>
-            </a:lvl1pPr>
-            <a:lvl2pPr lvl="1">
-              <a:buNone/>
-              <a:defRPr/>
-            </a:lvl2pPr>
-            <a:lvl3pPr lvl="2">
-              <a:buNone/>
-              <a:defRPr/>
-            </a:lvl3pPr>
-            <a:lvl4pPr lvl="3">
-              <a:buNone/>
-              <a:defRPr/>
-            </a:lvl4pPr>
-            <a:lvl5pPr lvl="4">
-              <a:buNone/>
-              <a:defRPr/>
-            </a:lvl5pPr>
-            <a:lvl6pPr lvl="5">
-              <a:buNone/>
-              <a:defRPr/>
-            </a:lvl6pPr>
-            <a:lvl7pPr lvl="6">
-              <a:buNone/>
-              <a:defRPr/>
-            </a:lvl7pPr>
-            <a:lvl8pPr lvl="7">
-              <a:buNone/>
-              <a:defRPr/>
-            </a:lvl8pPr>
-            <a:lvl9pPr lvl="8">
-              <a:buNone/>
-              <a:defRPr/>
-            </a:lvl9pPr>
-          </a:lstStyle>
-          <a:p>
-            <a:pPr marL="0" lvl="0" indent="0" algn="r" rtl="0">
-              <a:spcBef>
-                <a:spcPts val="0"/>
-              </a:spcBef>
-              <a:spcAft>
-                <a:spcPts val="0"/>
-              </a:spcAft>
-              <a:buNone/>
-            </a:pPr>
-            <a:fld id="{00000000-1234-1234-1234-123412341234}" type="slidenum">
-              <a:rPr lang="ru"/>
-              <a:t>‹#›</a:t>
-            </a:fld>
-            <a:endParaRPr/>
-          </a:p>
-        </p:txBody>
-      </p:sp>
-    </p:spTree>
-  </p:cSld>
-  <p:clrMapOvr>
-    <a:masterClrMapping/>
-  </p:clrMapOvr>
-</p:sldLayout>
-</file>
-
 <file path=ppt/slideLayouts/slideLayout2.xml><?xml version="1.0" encoding="utf-8"?>
-<p:sldLayout xmlns:a="http://schemas.openxmlformats.org/drawingml/2006/main" xmlns:r="http://schemas.openxmlformats.org/officeDocument/2006/relationships" xmlns:p="http://schemas.openxmlformats.org/presentationml/2006/main" matchingName="Section header" type="secHead">
-  <p:cSld name="SECTION_HEADER">
-    <p:spTree>
-      <p:nvGrpSpPr>
-        <p:cNvPr id="1" name="Shape 13"/>
-        <p:cNvGrpSpPr/>
-        <p:nvPr/>
-      </p:nvGrpSpPr>
-      <p:grpSpPr>
-        <a:xfrm>
-          <a:off x="0" y="0"/>
-          <a:ext cx="0" cy="0"/>
-          <a:chOff x="0" y="0"/>
-          <a:chExt cx="0" cy="0"/>
-        </a:xfrm>
-      </p:grpSpPr>
-      <p:sp>
-        <p:nvSpPr>
-          <p:cNvPr id="14" name="Google Shape;14;p3"/>
-          <p:cNvSpPr txBox="1">
-            <a:spLocks noGrp="1"/>
-          </p:cNvSpPr>
-          <p:nvPr>
-            <p:ph type="title"/>
-          </p:nvPr>
-        </p:nvSpPr>
-        <p:spPr>
-          <a:xfrm>
-            <a:off x="311700" y="2150850"/>
-            <a:ext cx="8520600" cy="841800"/>
-          </a:xfrm>
-          <a:prstGeom prst="rect">
-            <a:avLst/>
-          </a:prstGeom>
-        </p:spPr>
-        <p:txBody>
-          <a:bodyPr spcFirstLastPara="1" wrap="square" lIns="91425" tIns="91425" rIns="91425" bIns="91425" anchor="ctr" anchorCtr="0">
-            <a:normAutofit/>
-          </a:bodyPr>
-          <a:lstStyle>
-            <a:lvl1pPr lvl="0" algn="ctr">
-              <a:spcBef>
-                <a:spcPts val="0"/>
-              </a:spcBef>
-              <a:spcAft>
-                <a:spcPts val="0"/>
-              </a:spcAft>
-              <a:buSzPts val="3600"/>
-              <a:buNone/>
-              <a:defRPr sz="3600"/>
-            </a:lvl1pPr>
-            <a:lvl2pPr lvl="1" algn="ctr">
-              <a:spcBef>
-                <a:spcPts val="0"/>
-              </a:spcBef>
-              <a:spcAft>
-                <a:spcPts val="0"/>
-              </a:spcAft>
-              <a:buSzPts val="3600"/>
-              <a:buNone/>
-              <a:defRPr sz="3600"/>
-            </a:lvl2pPr>
-            <a:lvl3pPr lvl="2" algn="ctr">
-              <a:spcBef>
-                <a:spcPts val="0"/>
-              </a:spcBef>
-              <a:spcAft>
-                <a:spcPts val="0"/>
-              </a:spcAft>
-              <a:buSzPts val="3600"/>
-              <a:buNone/>
-              <a:defRPr sz="3600"/>
-            </a:lvl3pPr>
-            <a:lvl4pPr lvl="3" algn="ctr">
-              <a:spcBef>
-                <a:spcPts val="0"/>
-              </a:spcBef>
-              <a:spcAft>
-                <a:spcPts val="0"/>
-              </a:spcAft>
-              <a:buSzPts val="3600"/>
-              <a:buNone/>
-              <a:defRPr sz="3600"/>
-            </a:lvl4pPr>
-            <a:lvl5pPr lvl="4" algn="ctr">
-              <a:spcBef>
-                <a:spcPts val="0"/>
-              </a:spcBef>
-              <a:spcAft>
-                <a:spcPts val="0"/>
-              </a:spcAft>
-              <a:buSzPts val="3600"/>
-              <a:buNone/>
-              <a:defRPr sz="3600"/>
-            </a:lvl5pPr>
-            <a:lvl6pPr lvl="5" algn="ctr">
-              <a:spcBef>
-                <a:spcPts val="0"/>
-              </a:spcBef>
-              <a:spcAft>
-                <a:spcPts val="0"/>
-              </a:spcAft>
-              <a:buSzPts val="3600"/>
-              <a:buNone/>
-              <a:defRPr sz="3600"/>
-            </a:lvl6pPr>
-            <a:lvl7pPr lvl="6" algn="ctr">
-              <a:spcBef>
-                <a:spcPts val="0"/>
-              </a:spcBef>
-              <a:spcAft>
-                <a:spcPts val="0"/>
-              </a:spcAft>
-              <a:buSzPts val="3600"/>
-              <a:buNone/>
-              <a:defRPr sz="3600"/>
-            </a:lvl7pPr>
-            <a:lvl8pPr lvl="7" algn="ctr">
-              <a:spcBef>
-                <a:spcPts val="0"/>
-              </a:spcBef>
-              <a:spcAft>
-                <a:spcPts val="0"/>
-              </a:spcAft>
-              <a:buSzPts val="3600"/>
-              <a:buNone/>
-              <a:defRPr sz="3600"/>
-            </a:lvl8pPr>
-            <a:lvl9pPr lvl="8" algn="ctr">
-              <a:spcBef>
-                <a:spcPts val="0"/>
-              </a:spcBef>
-              <a:spcAft>
-                <a:spcPts val="0"/>
-              </a:spcAft>
-              <a:buSzPts val="3600"/>
-              <a:buNone/>
-              <a:defRPr sz="3600"/>
-            </a:lvl9pPr>
-          </a:lstStyle>
-          <a:p>
-            <a:endParaRPr/>
-          </a:p>
-        </p:txBody>
-      </p:sp>
-      <p:sp>
-        <p:nvSpPr>
-          <p:cNvPr id="15" name="Google Shape;15;p3"/>
-          <p:cNvSpPr txBox="1">
-            <a:spLocks noGrp="1"/>
-          </p:cNvSpPr>
-          <p:nvPr>
-            <p:ph type="sldNum" idx="12"/>
-          </p:nvPr>
-        </p:nvSpPr>
-        <p:spPr>
-          <a:xfrm>
-            <a:off x="8472458" y="4663217"/>
-            <a:ext cx="548700" cy="393600"/>
-          </a:xfrm>
-          <a:prstGeom prst="rect">
-            <a:avLst/>
-          </a:prstGeom>
-        </p:spPr>
-        <p:txBody>
-          <a:bodyPr spcFirstLastPara="1" wrap="square" lIns="91425" tIns="91425" rIns="91425" bIns="91425" anchor="ctr" anchorCtr="0">
-            <a:normAutofit/>
-          </a:bodyPr>
-          <a:lstStyle>
-            <a:lvl1pPr lvl="0">
-              <a:buNone/>
-              <a:defRPr/>
-            </a:lvl1pPr>
-            <a:lvl2pPr lvl="1">
-              <a:buNone/>
-              <a:defRPr/>
-            </a:lvl2pPr>
-            <a:lvl3pPr lvl="2">
-              <a:buNone/>
-              <a:defRPr/>
-            </a:lvl3pPr>
-            <a:lvl4pPr lvl="3">
-              <a:buNone/>
-              <a:defRPr/>
-            </a:lvl4pPr>
-            <a:lvl5pPr lvl="4">
-              <a:buNone/>
-              <a:defRPr/>
-            </a:lvl5pPr>
-            <a:lvl6pPr lvl="5">
-              <a:buNone/>
-              <a:defRPr/>
-            </a:lvl6pPr>
-            <a:lvl7pPr lvl="6">
-              <a:buNone/>
-              <a:defRPr/>
-            </a:lvl7pPr>
-            <a:lvl8pPr lvl="7">
-              <a:buNone/>
-              <a:defRPr/>
-            </a:lvl8pPr>
-            <a:lvl9pPr lvl="8">
-              <a:buNone/>
-              <a:defRPr/>
-            </a:lvl9pPr>
-          </a:lstStyle>
-          <a:p>
-            <a:pPr marL="0" lvl="0" indent="0" algn="r" rtl="0">
-              <a:spcBef>
-                <a:spcPts val="0"/>
-              </a:spcBef>
-              <a:spcAft>
-                <a:spcPts val="0"/>
-              </a:spcAft>
-              <a:buNone/>
-            </a:pPr>
-            <a:fld id="{00000000-1234-1234-1234-123412341234}" type="slidenum">
-              <a:rPr lang="ru"/>
-              <a:t>‹#›</a:t>
-            </a:fld>
-            <a:endParaRPr/>
-          </a:p>
-        </p:txBody>
-      </p:sp>
-    </p:spTree>
-  </p:cSld>
-  <p:clrMapOvr>
-    <a:masterClrMapping/>
-  </p:clrMapOvr>
-</p:sldLayout>
-</file>
-
-<file path=ppt/slideLayouts/slideLayout3.xml><?xml version="1.0" encoding="utf-8"?>
 <p:sldLayout xmlns:a="http://schemas.openxmlformats.org/drawingml/2006/main" xmlns:r="http://schemas.openxmlformats.org/officeDocument/2006/relationships" xmlns:p="http://schemas.openxmlformats.org/presentationml/2006/main" matchingName="Title and body" type="tx">
   <p:cSld name="TITLE_AND_BODY">
     <p:spTree>
@@ -1911,7 +1574,7 @@
 </p:sldLayout>
 </file>
 
-<file path=ppt/slideLayouts/slideLayout4.xml><?xml version="1.0" encoding="utf-8"?>
+<file path=ppt/slideLayouts/slideLayout3.xml><?xml version="1.0" encoding="utf-8"?>
 <p:sldLayout xmlns:a="http://schemas.openxmlformats.org/drawingml/2006/main" xmlns:r="http://schemas.openxmlformats.org/officeDocument/2006/relationships" xmlns:p="http://schemas.openxmlformats.org/presentationml/2006/main" matchingName="Title and two columns" type="twoColTx">
   <p:cSld name="TITLE_AND_TWO_COLUMNS">
     <p:spTree>
@@ -2402,7 +2065,7 @@
 </p:sldLayout>
 </file>
 
-<file path=ppt/slideLayouts/slideLayout5.xml><?xml version="1.0" encoding="utf-8"?>
+<file path=ppt/slideLayouts/slideLayout4.xml><?xml version="1.0" encoding="utf-8"?>
 <p:sldLayout xmlns:a="http://schemas.openxmlformats.org/drawingml/2006/main" xmlns:r="http://schemas.openxmlformats.org/officeDocument/2006/relationships" xmlns:p="http://schemas.openxmlformats.org/presentationml/2006/main" matchingName="Title only" type="titleOnly">
   <p:cSld name="TITLE_ONLY">
     <p:spTree>
@@ -2635,7 +2298,7 @@
 </p:sldLayout>
 </file>
 
-<file path=ppt/slideLayouts/slideLayout6.xml><?xml version="1.0" encoding="utf-8"?>
+<file path=ppt/slideLayouts/slideLayout5.xml><?xml version="1.0" encoding="utf-8"?>
 <p:sldLayout xmlns:a="http://schemas.openxmlformats.org/drawingml/2006/main" xmlns:r="http://schemas.openxmlformats.org/officeDocument/2006/relationships" xmlns:p="http://schemas.openxmlformats.org/presentationml/2006/main" matchingName="One column text">
   <p:cSld name="ONE_COLUMN_TEXT">
     <p:spTree>
@@ -2997,7 +2660,7 @@
 </p:sldLayout>
 </file>
 
-<file path=ppt/slideLayouts/slideLayout7.xml><?xml version="1.0" encoding="utf-8"?>
+<file path=ppt/slideLayouts/slideLayout6.xml><?xml version="1.0" encoding="utf-8"?>
 <p:sldLayout xmlns:a="http://schemas.openxmlformats.org/drawingml/2006/main" xmlns:r="http://schemas.openxmlformats.org/officeDocument/2006/relationships" xmlns:p="http://schemas.openxmlformats.org/presentationml/2006/main" matchingName="Section title and description">
   <p:cSld name="SECTION_TITLE_AND_DESCRIPTION">
     <p:spTree>
@@ -3618,7 +3281,7 @@
 </p:sldLayout>
 </file>
 
-<file path=ppt/slideLayouts/slideLayout8.xml><?xml version="1.0" encoding="utf-8"?>
+<file path=ppt/slideLayouts/slideLayout7.xml><?xml version="1.0" encoding="utf-8"?>
 <p:sldLayout xmlns:a="http://schemas.openxmlformats.org/drawingml/2006/main" xmlns:r="http://schemas.openxmlformats.org/officeDocument/2006/relationships" xmlns:p="http://schemas.openxmlformats.org/presentationml/2006/main" matchingName="Caption">
   <p:cSld name="CAPTION_ONLY">
     <p:spTree>
@@ -3766,7 +3429,7 @@
 </p:sldLayout>
 </file>
 
-<file path=ppt/slideLayouts/slideLayout9.xml><?xml version="1.0" encoding="utf-8"?>
+<file path=ppt/slideLayouts/slideLayout8.xml><?xml version="1.0" encoding="utf-8"?>
 <p:sldLayout xmlns:a="http://schemas.openxmlformats.org/drawingml/2006/main" xmlns:r="http://schemas.openxmlformats.org/officeDocument/2006/relationships" xmlns:p="http://schemas.openxmlformats.org/presentationml/2006/main" matchingName="Big number">
   <p:cSld name="BIG_NUMBER">
     <p:spTree>
@@ -4046,6 +3709,110 @@
       <p:sp>
         <p:nvSpPr>
           <p:cNvPr id="47" name="Google Shape;47;p11"/>
+          <p:cNvSpPr txBox="1">
+            <a:spLocks noGrp="1"/>
+          </p:cNvSpPr>
+          <p:nvPr>
+            <p:ph type="sldNum" idx="12"/>
+          </p:nvPr>
+        </p:nvSpPr>
+        <p:spPr>
+          <a:xfrm>
+            <a:off x="8472458" y="4663217"/>
+            <a:ext cx="548700" cy="393600"/>
+          </a:xfrm>
+          <a:prstGeom prst="rect">
+            <a:avLst/>
+          </a:prstGeom>
+        </p:spPr>
+        <p:txBody>
+          <a:bodyPr spcFirstLastPara="1" wrap="square" lIns="91425" tIns="91425" rIns="91425" bIns="91425" anchor="ctr" anchorCtr="0">
+            <a:normAutofit/>
+          </a:bodyPr>
+          <a:lstStyle>
+            <a:lvl1pPr lvl="0">
+              <a:buNone/>
+              <a:defRPr/>
+            </a:lvl1pPr>
+            <a:lvl2pPr lvl="1">
+              <a:buNone/>
+              <a:defRPr/>
+            </a:lvl2pPr>
+            <a:lvl3pPr lvl="2">
+              <a:buNone/>
+              <a:defRPr/>
+            </a:lvl3pPr>
+            <a:lvl4pPr lvl="3">
+              <a:buNone/>
+              <a:defRPr/>
+            </a:lvl4pPr>
+            <a:lvl5pPr lvl="4">
+              <a:buNone/>
+              <a:defRPr/>
+            </a:lvl5pPr>
+            <a:lvl6pPr lvl="5">
+              <a:buNone/>
+              <a:defRPr/>
+            </a:lvl6pPr>
+            <a:lvl7pPr lvl="6">
+              <a:buNone/>
+              <a:defRPr/>
+            </a:lvl7pPr>
+            <a:lvl8pPr lvl="7">
+              <a:buNone/>
+              <a:defRPr/>
+            </a:lvl8pPr>
+            <a:lvl9pPr lvl="8">
+              <a:buNone/>
+              <a:defRPr/>
+            </a:lvl9pPr>
+          </a:lstStyle>
+          <a:p>
+            <a:pPr marL="0" lvl="0" indent="0" algn="r" rtl="0">
+              <a:spcBef>
+                <a:spcPts val="0"/>
+              </a:spcBef>
+              <a:spcAft>
+                <a:spcPts val="0"/>
+              </a:spcAft>
+              <a:buNone/>
+            </a:pPr>
+            <a:fld id="{00000000-1234-1234-1234-123412341234}" type="slidenum">
+              <a:rPr lang="ru"/>
+              <a:t>‹#›</a:t>
+            </a:fld>
+            <a:endParaRPr/>
+          </a:p>
+        </p:txBody>
+      </p:sp>
+    </p:spTree>
+  </p:cSld>
+  <p:clrMapOvr>
+    <a:masterClrMapping/>
+  </p:clrMapOvr>
+</p:sldLayout>
+</file>
+
+<file path=ppt/slideLayouts/slideLayout9.xml><?xml version="1.0" encoding="utf-8"?>
+<p:sldLayout xmlns:a="http://schemas.openxmlformats.org/drawingml/2006/main" xmlns:r="http://schemas.openxmlformats.org/officeDocument/2006/relationships" xmlns:p="http://schemas.openxmlformats.org/presentationml/2006/main" matchingName="Blank" type="blank">
+  <p:cSld name="BLANK">
+    <p:spTree>
+      <p:nvGrpSpPr>
+        <p:cNvPr id="1" name="Shape 48"/>
+        <p:cNvGrpSpPr/>
+        <p:nvPr/>
+      </p:nvGrpSpPr>
+      <p:grpSpPr>
+        <a:xfrm>
+          <a:off x="0" y="0"/>
+          <a:ext cx="0" cy="0"/>
+          <a:chOff x="0" y="0"/>
+          <a:chExt cx="0" cy="0"/>
+        </a:xfrm>
+      </p:grpSpPr>
+      <p:sp>
+        <p:nvSpPr>
+          <p:cNvPr id="49" name="Google Shape;49;p12"/>
           <p:cNvSpPr txBox="1">
             <a:spLocks noGrp="1"/>
           </p:cNvSpPr>
@@ -4698,15 +4465,14 @@
   <p:clrMap bg1="lt1" tx1="dk1" bg2="dk2" tx2="lt2" accent1="accent1" accent2="accent2" accent3="accent3" accent4="accent4" accent5="accent5" accent6="accent6" hlink="hlink" folHlink="folHlink"/>
   <p:sldLayoutIdLst>
     <p:sldLayoutId id="2147483648" r:id="rId1"/>
-    <p:sldLayoutId id="2147483649" r:id="rId2"/>
-    <p:sldLayoutId id="2147483650" r:id="rId3"/>
-    <p:sldLayoutId id="2147483651" r:id="rId4"/>
-    <p:sldLayoutId id="2147483652" r:id="rId5"/>
-    <p:sldLayoutId id="2147483653" r:id="rId6"/>
-    <p:sldLayoutId id="2147483655" r:id="rId7"/>
-    <p:sldLayoutId id="2147483656" r:id="rId8"/>
-    <p:sldLayoutId id="2147483657" r:id="rId9"/>
-    <p:sldLayoutId id="2147483658" r:id="rId10"/>
+    <p:sldLayoutId id="2147483650" r:id="rId2"/>
+    <p:sldLayoutId id="2147483651" r:id="rId3"/>
+    <p:sldLayoutId id="2147483652" r:id="rId4"/>
+    <p:sldLayoutId id="2147483653" r:id="rId5"/>
+    <p:sldLayoutId id="2147483655" r:id="rId6"/>
+    <p:sldLayoutId id="2147483656" r:id="rId7"/>
+    <p:sldLayoutId id="2147483657" r:id="rId8"/>
+    <p:sldLayoutId id="2147483658" r:id="rId9"/>
   </p:sldLayoutIdLst>
   <p:hf sldNum="0" hdr="0" ftr="0" dt="0"/>
   <p:txStyles>
@@ -6527,7 +6293,6 @@
               <a:rPr lang="ru-RU" dirty="0"/>
               <a:t>. </a:t>
             </a:r>
-            <a:endParaRPr lang="ru-RU" dirty="0"/>
           </a:p>
         </p:txBody>
       </p:sp>
@@ -6866,7 +6631,6 @@
               <a:rPr lang="ru-RU" dirty="0"/>
               <a:t>. </a:t>
             </a:r>
-            <a:endParaRPr lang="ru-RU" dirty="0"/>
           </a:p>
         </p:txBody>
       </p:sp>
@@ -7011,6 +6775,13 @@
   <p:clrMapOvr>
     <a:masterClrMapping/>
   </p:clrMapOvr>
+  <p:timing>
+    <p:tnLst>
+      <p:par>
+        <p:cTn id="1" dur="indefinite" restart="never" nodeType="tmRoot"/>
+      </p:par>
+    </p:tnLst>
+  </p:timing>
 </p:sld>
 </file>
 
@@ -7334,11 +7105,7 @@
           <a:p>
             <a:r>
               <a:rPr lang="uk-UA" dirty="0" smtClean="0"/>
-              <a:t>Тренувальна вибірка</a:t>
-            </a:r>
-            <a:r>
-              <a:rPr lang="uk-UA" dirty="0" smtClean="0"/>
-              <a:t> – </a:t>
+              <a:t>Тренувальна вибірка – </a:t>
             </a:r>
             <a:r>
               <a:rPr lang="uk-UA" dirty="0" err="1" smtClean="0"/>
@@ -8562,7 +8329,6 @@
               <a:rPr lang="ru-RU" dirty="0"/>
               <a:t> </a:t>
             </a:r>
-            <a:endParaRPr lang="ru-RU" dirty="0"/>
           </a:p>
         </p:txBody>
       </p:sp>
